--- a/Tomb Treasure.pptx
+++ b/Tomb Treasure.pptx
@@ -160,10 +160,9 @@
           </a:lstStyle>
           <a:p>
             <a:r>
-              <a:rPr lang="ru-RU" smtClean="0"/>
+              <a:rPr lang="ru-RU"/>
               <a:t>Образец заголовка</a:t>
             </a:r>
-            <a:endParaRPr lang="ru-RU"/>
           </a:p>
         </p:txBody>
       </p:sp>
@@ -225,10 +224,9 @@
           </a:lstStyle>
           <a:p>
             <a:r>
-              <a:rPr lang="ru-RU" smtClean="0"/>
+              <a:rPr lang="ru-RU"/>
               <a:t>Образец подзаголовка</a:t>
             </a:r>
-            <a:endParaRPr lang="ru-RU"/>
           </a:p>
         </p:txBody>
       </p:sp>
@@ -249,7 +247,7 @@
           <a:p>
             <a:fld id="{18E32C4E-F01C-40E9-8C56-6605EF1A1885}" type="datetimeFigureOut">
               <a:rPr lang="ru-RU" smtClean="0"/>
-              <a:t>17.01.2021</a:t>
+              <a:t>18.01.2021</a:t>
             </a:fld>
             <a:endParaRPr lang="ru-RU"/>
           </a:p>
@@ -343,10 +341,9 @@
           <a:lstStyle/>
           <a:p>
             <a:r>
-              <a:rPr lang="ru-RU" smtClean="0"/>
+              <a:rPr lang="ru-RU"/>
               <a:t>Образец заголовка</a:t>
             </a:r>
-            <a:endParaRPr lang="ru-RU"/>
           </a:p>
         </p:txBody>
       </p:sp>
@@ -367,38 +364,37 @@
           <a:p>
             <a:pPr lvl="0"/>
             <a:r>
-              <a:rPr lang="ru-RU" smtClean="0"/>
+              <a:rPr lang="ru-RU"/>
               <a:t>Образец текста</a:t>
             </a:r>
           </a:p>
           <a:p>
             <a:pPr lvl="1"/>
             <a:r>
-              <a:rPr lang="ru-RU" smtClean="0"/>
+              <a:rPr lang="ru-RU"/>
               <a:t>Второй уровень</a:t>
             </a:r>
           </a:p>
           <a:p>
             <a:pPr lvl="2"/>
             <a:r>
-              <a:rPr lang="ru-RU" smtClean="0"/>
+              <a:rPr lang="ru-RU"/>
               <a:t>Третий уровень</a:t>
             </a:r>
           </a:p>
           <a:p>
             <a:pPr lvl="3"/>
             <a:r>
-              <a:rPr lang="ru-RU" smtClean="0"/>
+              <a:rPr lang="ru-RU"/>
               <a:t>Четвертый уровень</a:t>
             </a:r>
           </a:p>
           <a:p>
             <a:pPr lvl="4"/>
             <a:r>
-              <a:rPr lang="ru-RU" smtClean="0"/>
+              <a:rPr lang="ru-RU"/>
               <a:t>Пятый уровень</a:t>
             </a:r>
-            <a:endParaRPr lang="ru-RU"/>
           </a:p>
         </p:txBody>
       </p:sp>
@@ -419,7 +415,7 @@
           <a:p>
             <a:fld id="{18E32C4E-F01C-40E9-8C56-6605EF1A1885}" type="datetimeFigureOut">
               <a:rPr lang="ru-RU" smtClean="0"/>
-              <a:t>17.01.2021</a:t>
+              <a:t>18.01.2021</a:t>
             </a:fld>
             <a:endParaRPr lang="ru-RU"/>
           </a:p>
@@ -518,10 +514,9 @@
           <a:lstStyle/>
           <a:p>
             <a:r>
-              <a:rPr lang="ru-RU" smtClean="0"/>
+              <a:rPr lang="ru-RU"/>
               <a:t>Образец заголовка</a:t>
             </a:r>
-            <a:endParaRPr lang="ru-RU"/>
           </a:p>
         </p:txBody>
       </p:sp>
@@ -547,38 +542,37 @@
           <a:p>
             <a:pPr lvl="0"/>
             <a:r>
-              <a:rPr lang="ru-RU" smtClean="0"/>
+              <a:rPr lang="ru-RU"/>
               <a:t>Образец текста</a:t>
             </a:r>
           </a:p>
           <a:p>
             <a:pPr lvl="1"/>
             <a:r>
-              <a:rPr lang="ru-RU" smtClean="0"/>
+              <a:rPr lang="ru-RU"/>
               <a:t>Второй уровень</a:t>
             </a:r>
           </a:p>
           <a:p>
             <a:pPr lvl="2"/>
             <a:r>
-              <a:rPr lang="ru-RU" smtClean="0"/>
+              <a:rPr lang="ru-RU"/>
               <a:t>Третий уровень</a:t>
             </a:r>
           </a:p>
           <a:p>
             <a:pPr lvl="3"/>
             <a:r>
-              <a:rPr lang="ru-RU" smtClean="0"/>
+              <a:rPr lang="ru-RU"/>
               <a:t>Четвертый уровень</a:t>
             </a:r>
           </a:p>
           <a:p>
             <a:pPr lvl="4"/>
             <a:r>
-              <a:rPr lang="ru-RU" smtClean="0"/>
+              <a:rPr lang="ru-RU"/>
               <a:t>Пятый уровень</a:t>
             </a:r>
-            <a:endParaRPr lang="ru-RU"/>
           </a:p>
         </p:txBody>
       </p:sp>
@@ -599,7 +593,7 @@
           <a:p>
             <a:fld id="{18E32C4E-F01C-40E9-8C56-6605EF1A1885}" type="datetimeFigureOut">
               <a:rPr lang="ru-RU" smtClean="0"/>
-              <a:t>17.01.2021</a:t>
+              <a:t>18.01.2021</a:t>
             </a:fld>
             <a:endParaRPr lang="ru-RU"/>
           </a:p>
@@ -693,10 +687,9 @@
           <a:lstStyle/>
           <a:p>
             <a:r>
-              <a:rPr lang="ru-RU" smtClean="0"/>
+              <a:rPr lang="ru-RU"/>
               <a:t>Образец заголовка</a:t>
             </a:r>
-            <a:endParaRPr lang="ru-RU"/>
           </a:p>
         </p:txBody>
       </p:sp>
@@ -717,38 +710,37 @@
           <a:p>
             <a:pPr lvl="0"/>
             <a:r>
-              <a:rPr lang="ru-RU" smtClean="0"/>
+              <a:rPr lang="ru-RU"/>
               <a:t>Образец текста</a:t>
             </a:r>
           </a:p>
           <a:p>
             <a:pPr lvl="1"/>
             <a:r>
-              <a:rPr lang="ru-RU" smtClean="0"/>
+              <a:rPr lang="ru-RU"/>
               <a:t>Второй уровень</a:t>
             </a:r>
           </a:p>
           <a:p>
             <a:pPr lvl="2"/>
             <a:r>
-              <a:rPr lang="ru-RU" smtClean="0"/>
+              <a:rPr lang="ru-RU"/>
               <a:t>Третий уровень</a:t>
             </a:r>
           </a:p>
           <a:p>
             <a:pPr lvl="3"/>
             <a:r>
-              <a:rPr lang="ru-RU" smtClean="0"/>
+              <a:rPr lang="ru-RU"/>
               <a:t>Четвертый уровень</a:t>
             </a:r>
           </a:p>
           <a:p>
             <a:pPr lvl="4"/>
             <a:r>
-              <a:rPr lang="ru-RU" smtClean="0"/>
+              <a:rPr lang="ru-RU"/>
               <a:t>Пятый уровень</a:t>
             </a:r>
-            <a:endParaRPr lang="ru-RU"/>
           </a:p>
         </p:txBody>
       </p:sp>
@@ -769,7 +761,7 @@
           <a:p>
             <a:fld id="{18E32C4E-F01C-40E9-8C56-6605EF1A1885}" type="datetimeFigureOut">
               <a:rPr lang="ru-RU" smtClean="0"/>
-              <a:t>17.01.2021</a:t>
+              <a:t>18.01.2021</a:t>
             </a:fld>
             <a:endParaRPr lang="ru-RU"/>
           </a:p>
@@ -872,10 +864,9 @@
           </a:lstStyle>
           <a:p>
             <a:r>
-              <a:rPr lang="ru-RU" smtClean="0"/>
+              <a:rPr lang="ru-RU"/>
               <a:t>Образец заголовка</a:t>
             </a:r>
-            <a:endParaRPr lang="ru-RU"/>
           </a:p>
         </p:txBody>
       </p:sp>
@@ -992,7 +983,7 @@
           <a:p>
             <a:pPr lvl="0"/>
             <a:r>
-              <a:rPr lang="ru-RU" smtClean="0"/>
+              <a:rPr lang="ru-RU"/>
               <a:t>Образец текста</a:t>
             </a:r>
           </a:p>
@@ -1015,7 +1006,7 @@
           <a:p>
             <a:fld id="{18E32C4E-F01C-40E9-8C56-6605EF1A1885}" type="datetimeFigureOut">
               <a:rPr lang="ru-RU" smtClean="0"/>
-              <a:t>17.01.2021</a:t>
+              <a:t>18.01.2021</a:t>
             </a:fld>
             <a:endParaRPr lang="ru-RU"/>
           </a:p>
@@ -1109,10 +1100,9 @@
           <a:lstStyle/>
           <a:p>
             <a:r>
-              <a:rPr lang="ru-RU" smtClean="0"/>
+              <a:rPr lang="ru-RU"/>
               <a:t>Образец заголовка</a:t>
             </a:r>
-            <a:endParaRPr lang="ru-RU"/>
           </a:p>
         </p:txBody>
       </p:sp>
@@ -1138,38 +1128,37 @@
           <a:p>
             <a:pPr lvl="0"/>
             <a:r>
-              <a:rPr lang="ru-RU" smtClean="0"/>
+              <a:rPr lang="ru-RU"/>
               <a:t>Образец текста</a:t>
             </a:r>
           </a:p>
           <a:p>
             <a:pPr lvl="1"/>
             <a:r>
-              <a:rPr lang="ru-RU" smtClean="0"/>
+              <a:rPr lang="ru-RU"/>
               <a:t>Второй уровень</a:t>
             </a:r>
           </a:p>
           <a:p>
             <a:pPr lvl="2"/>
             <a:r>
-              <a:rPr lang="ru-RU" smtClean="0"/>
+              <a:rPr lang="ru-RU"/>
               <a:t>Третий уровень</a:t>
             </a:r>
           </a:p>
           <a:p>
             <a:pPr lvl="3"/>
             <a:r>
-              <a:rPr lang="ru-RU" smtClean="0"/>
+              <a:rPr lang="ru-RU"/>
               <a:t>Четвертый уровень</a:t>
             </a:r>
           </a:p>
           <a:p>
             <a:pPr lvl="4"/>
             <a:r>
-              <a:rPr lang="ru-RU" smtClean="0"/>
+              <a:rPr lang="ru-RU"/>
               <a:t>Пятый уровень</a:t>
             </a:r>
-            <a:endParaRPr lang="ru-RU"/>
           </a:p>
         </p:txBody>
       </p:sp>
@@ -1195,38 +1184,37 @@
           <a:p>
             <a:pPr lvl="0"/>
             <a:r>
-              <a:rPr lang="ru-RU" smtClean="0"/>
+              <a:rPr lang="ru-RU"/>
               <a:t>Образец текста</a:t>
             </a:r>
           </a:p>
           <a:p>
             <a:pPr lvl="1"/>
             <a:r>
-              <a:rPr lang="ru-RU" smtClean="0"/>
+              <a:rPr lang="ru-RU"/>
               <a:t>Второй уровень</a:t>
             </a:r>
           </a:p>
           <a:p>
             <a:pPr lvl="2"/>
             <a:r>
-              <a:rPr lang="ru-RU" smtClean="0"/>
+              <a:rPr lang="ru-RU"/>
               <a:t>Третий уровень</a:t>
             </a:r>
           </a:p>
           <a:p>
             <a:pPr lvl="3"/>
             <a:r>
-              <a:rPr lang="ru-RU" smtClean="0"/>
+              <a:rPr lang="ru-RU"/>
               <a:t>Четвертый уровень</a:t>
             </a:r>
           </a:p>
           <a:p>
             <a:pPr lvl="4"/>
             <a:r>
-              <a:rPr lang="ru-RU" smtClean="0"/>
+              <a:rPr lang="ru-RU"/>
               <a:t>Пятый уровень</a:t>
             </a:r>
-            <a:endParaRPr lang="ru-RU"/>
           </a:p>
         </p:txBody>
       </p:sp>
@@ -1247,7 +1235,7 @@
           <a:p>
             <a:fld id="{18E32C4E-F01C-40E9-8C56-6605EF1A1885}" type="datetimeFigureOut">
               <a:rPr lang="ru-RU" smtClean="0"/>
-              <a:t>17.01.2021</a:t>
+              <a:t>18.01.2021</a:t>
             </a:fld>
             <a:endParaRPr lang="ru-RU"/>
           </a:p>
@@ -1346,10 +1334,9 @@
           <a:lstStyle/>
           <a:p>
             <a:r>
-              <a:rPr lang="ru-RU" smtClean="0"/>
+              <a:rPr lang="ru-RU"/>
               <a:t>Образец заголовка</a:t>
             </a:r>
-            <a:endParaRPr lang="ru-RU"/>
           </a:p>
         </p:txBody>
       </p:sp>
@@ -1412,7 +1399,7 @@
           <a:p>
             <a:pPr lvl="0"/>
             <a:r>
-              <a:rPr lang="ru-RU" smtClean="0"/>
+              <a:rPr lang="ru-RU"/>
               <a:t>Образец текста</a:t>
             </a:r>
           </a:p>
@@ -1440,38 +1427,37 @@
           <a:p>
             <a:pPr lvl="0"/>
             <a:r>
-              <a:rPr lang="ru-RU" smtClean="0"/>
+              <a:rPr lang="ru-RU"/>
               <a:t>Образец текста</a:t>
             </a:r>
           </a:p>
           <a:p>
             <a:pPr lvl="1"/>
             <a:r>
-              <a:rPr lang="ru-RU" smtClean="0"/>
+              <a:rPr lang="ru-RU"/>
               <a:t>Второй уровень</a:t>
             </a:r>
           </a:p>
           <a:p>
             <a:pPr lvl="2"/>
             <a:r>
-              <a:rPr lang="ru-RU" smtClean="0"/>
+              <a:rPr lang="ru-RU"/>
               <a:t>Третий уровень</a:t>
             </a:r>
           </a:p>
           <a:p>
             <a:pPr lvl="3"/>
             <a:r>
-              <a:rPr lang="ru-RU" smtClean="0"/>
+              <a:rPr lang="ru-RU"/>
               <a:t>Четвертый уровень</a:t>
             </a:r>
           </a:p>
           <a:p>
             <a:pPr lvl="4"/>
             <a:r>
-              <a:rPr lang="ru-RU" smtClean="0"/>
+              <a:rPr lang="ru-RU"/>
               <a:t>Пятый уровень</a:t>
             </a:r>
-            <a:endParaRPr lang="ru-RU"/>
           </a:p>
         </p:txBody>
       </p:sp>
@@ -1534,7 +1520,7 @@
           <a:p>
             <a:pPr lvl="0"/>
             <a:r>
-              <a:rPr lang="ru-RU" smtClean="0"/>
+              <a:rPr lang="ru-RU"/>
               <a:t>Образец текста</a:t>
             </a:r>
           </a:p>
@@ -1562,38 +1548,37 @@
           <a:p>
             <a:pPr lvl="0"/>
             <a:r>
-              <a:rPr lang="ru-RU" smtClean="0"/>
+              <a:rPr lang="ru-RU"/>
               <a:t>Образец текста</a:t>
             </a:r>
           </a:p>
           <a:p>
             <a:pPr lvl="1"/>
             <a:r>
-              <a:rPr lang="ru-RU" smtClean="0"/>
+              <a:rPr lang="ru-RU"/>
               <a:t>Второй уровень</a:t>
             </a:r>
           </a:p>
           <a:p>
             <a:pPr lvl="2"/>
             <a:r>
-              <a:rPr lang="ru-RU" smtClean="0"/>
+              <a:rPr lang="ru-RU"/>
               <a:t>Третий уровень</a:t>
             </a:r>
           </a:p>
           <a:p>
             <a:pPr lvl="3"/>
             <a:r>
-              <a:rPr lang="ru-RU" smtClean="0"/>
+              <a:rPr lang="ru-RU"/>
               <a:t>Четвертый уровень</a:t>
             </a:r>
           </a:p>
           <a:p>
             <a:pPr lvl="4"/>
             <a:r>
-              <a:rPr lang="ru-RU" smtClean="0"/>
+              <a:rPr lang="ru-RU"/>
               <a:t>Пятый уровень</a:t>
             </a:r>
-            <a:endParaRPr lang="ru-RU"/>
           </a:p>
         </p:txBody>
       </p:sp>
@@ -1614,7 +1599,7 @@
           <a:p>
             <a:fld id="{18E32C4E-F01C-40E9-8C56-6605EF1A1885}" type="datetimeFigureOut">
               <a:rPr lang="ru-RU" smtClean="0"/>
-              <a:t>17.01.2021</a:t>
+              <a:t>18.01.2021</a:t>
             </a:fld>
             <a:endParaRPr lang="ru-RU"/>
           </a:p>
@@ -1708,10 +1693,9 @@
           <a:lstStyle/>
           <a:p>
             <a:r>
-              <a:rPr lang="ru-RU" smtClean="0"/>
+              <a:rPr lang="ru-RU"/>
               <a:t>Образец заголовка</a:t>
             </a:r>
-            <a:endParaRPr lang="ru-RU"/>
           </a:p>
         </p:txBody>
       </p:sp>
@@ -1732,7 +1716,7 @@
           <a:p>
             <a:fld id="{18E32C4E-F01C-40E9-8C56-6605EF1A1885}" type="datetimeFigureOut">
               <a:rPr lang="ru-RU" smtClean="0"/>
-              <a:t>17.01.2021</a:t>
+              <a:t>18.01.2021</a:t>
             </a:fld>
             <a:endParaRPr lang="ru-RU"/>
           </a:p>
@@ -1827,7 +1811,7 @@
           <a:p>
             <a:fld id="{18E32C4E-F01C-40E9-8C56-6605EF1A1885}" type="datetimeFigureOut">
               <a:rPr lang="ru-RU" smtClean="0"/>
-              <a:t>17.01.2021</a:t>
+              <a:t>18.01.2021</a:t>
             </a:fld>
             <a:endParaRPr lang="ru-RU"/>
           </a:p>
@@ -1930,10 +1914,9 @@
           </a:lstStyle>
           <a:p>
             <a:r>
-              <a:rPr lang="ru-RU" smtClean="0"/>
+              <a:rPr lang="ru-RU"/>
               <a:t>Образец заголовка</a:t>
             </a:r>
-            <a:endParaRPr lang="ru-RU"/>
           </a:p>
         </p:txBody>
       </p:sp>
@@ -1987,38 +1970,37 @@
           <a:p>
             <a:pPr lvl="0"/>
             <a:r>
-              <a:rPr lang="ru-RU" smtClean="0"/>
+              <a:rPr lang="ru-RU"/>
               <a:t>Образец текста</a:t>
             </a:r>
           </a:p>
           <a:p>
             <a:pPr lvl="1"/>
             <a:r>
-              <a:rPr lang="ru-RU" smtClean="0"/>
+              <a:rPr lang="ru-RU"/>
               <a:t>Второй уровень</a:t>
             </a:r>
           </a:p>
           <a:p>
             <a:pPr lvl="2"/>
             <a:r>
-              <a:rPr lang="ru-RU" smtClean="0"/>
+              <a:rPr lang="ru-RU"/>
               <a:t>Третий уровень</a:t>
             </a:r>
           </a:p>
           <a:p>
             <a:pPr lvl="3"/>
             <a:r>
-              <a:rPr lang="ru-RU" smtClean="0"/>
+              <a:rPr lang="ru-RU"/>
               <a:t>Четвертый уровень</a:t>
             </a:r>
           </a:p>
           <a:p>
             <a:pPr lvl="4"/>
             <a:r>
-              <a:rPr lang="ru-RU" smtClean="0"/>
+              <a:rPr lang="ru-RU"/>
               <a:t>Пятый уровень</a:t>
             </a:r>
-            <a:endParaRPr lang="ru-RU"/>
           </a:p>
         </p:txBody>
       </p:sp>
@@ -2081,7 +2063,7 @@
           <a:p>
             <a:pPr lvl="0"/>
             <a:r>
-              <a:rPr lang="ru-RU" smtClean="0"/>
+              <a:rPr lang="ru-RU"/>
               <a:t>Образец текста</a:t>
             </a:r>
           </a:p>
@@ -2104,7 +2086,7 @@
           <a:p>
             <a:fld id="{18E32C4E-F01C-40E9-8C56-6605EF1A1885}" type="datetimeFigureOut">
               <a:rPr lang="ru-RU" smtClean="0"/>
-              <a:t>17.01.2021</a:t>
+              <a:t>18.01.2021</a:t>
             </a:fld>
             <a:endParaRPr lang="ru-RU"/>
           </a:p>
@@ -2207,10 +2189,9 @@
           </a:lstStyle>
           <a:p>
             <a:r>
-              <a:rPr lang="ru-RU" smtClean="0"/>
+              <a:rPr lang="ru-RU"/>
               <a:t>Образец заголовка</a:t>
             </a:r>
-            <a:endParaRPr lang="ru-RU"/>
           </a:p>
         </p:txBody>
       </p:sp>
@@ -2334,7 +2315,7 @@
           <a:p>
             <a:pPr lvl="0"/>
             <a:r>
-              <a:rPr lang="ru-RU" smtClean="0"/>
+              <a:rPr lang="ru-RU"/>
               <a:t>Образец текста</a:t>
             </a:r>
           </a:p>
@@ -2357,7 +2338,7 @@
           <a:p>
             <a:fld id="{18E32C4E-F01C-40E9-8C56-6605EF1A1885}" type="datetimeFigureOut">
               <a:rPr lang="ru-RU" smtClean="0"/>
-              <a:t>17.01.2021</a:t>
+              <a:t>18.01.2021</a:t>
             </a:fld>
             <a:endParaRPr lang="ru-RU"/>
           </a:p>
@@ -2466,10 +2447,9 @@
           <a:lstStyle/>
           <a:p>
             <a:r>
-              <a:rPr lang="ru-RU" smtClean="0"/>
+              <a:rPr lang="ru-RU"/>
               <a:t>Образец заголовка</a:t>
             </a:r>
-            <a:endParaRPr lang="ru-RU"/>
           </a:p>
         </p:txBody>
       </p:sp>
@@ -2500,38 +2480,37 @@
           <a:p>
             <a:pPr lvl="0"/>
             <a:r>
-              <a:rPr lang="ru-RU" smtClean="0"/>
+              <a:rPr lang="ru-RU"/>
               <a:t>Образец текста</a:t>
             </a:r>
           </a:p>
           <a:p>
             <a:pPr lvl="1"/>
             <a:r>
-              <a:rPr lang="ru-RU" smtClean="0"/>
+              <a:rPr lang="ru-RU"/>
               <a:t>Второй уровень</a:t>
             </a:r>
           </a:p>
           <a:p>
             <a:pPr lvl="2"/>
             <a:r>
-              <a:rPr lang="ru-RU" smtClean="0"/>
+              <a:rPr lang="ru-RU"/>
               <a:t>Третий уровень</a:t>
             </a:r>
           </a:p>
           <a:p>
             <a:pPr lvl="3"/>
             <a:r>
-              <a:rPr lang="ru-RU" smtClean="0"/>
+              <a:rPr lang="ru-RU"/>
               <a:t>Четвертый уровень</a:t>
             </a:r>
           </a:p>
           <a:p>
             <a:pPr lvl="4"/>
             <a:r>
-              <a:rPr lang="ru-RU" smtClean="0"/>
+              <a:rPr lang="ru-RU"/>
               <a:t>Пятый уровень</a:t>
             </a:r>
-            <a:endParaRPr lang="ru-RU"/>
           </a:p>
         </p:txBody>
       </p:sp>
@@ -2570,7 +2549,7 @@
           <a:p>
             <a:fld id="{18E32C4E-F01C-40E9-8C56-6605EF1A1885}" type="datetimeFigureOut">
               <a:rPr lang="ru-RU" smtClean="0"/>
-              <a:t>17.01.2021</a:t>
+              <a:t>18.01.2021</a:t>
             </a:fld>
             <a:endParaRPr lang="ru-RU"/>
           </a:p>
@@ -3021,17 +3000,13 @@
           <a:lstStyle/>
           <a:p>
             <a:r>
-              <a:rPr lang="en-US" dirty="0" smtClean="0">
+              <a:rPr lang="en-US" dirty="0">
                 <a:latin typeface="Viner Hand ITC" panose="03070502030502020203" pitchFamily="66" charset="0"/>
               </a:rPr>
               <a:t>Tomb Treasure</a:t>
             </a:r>
-            <a:r>
-              <a:rPr lang="en-US" dirty="0" smtClean="0"/>
-              <a:t/>
-            </a:r>
             <a:br>
-              <a:rPr lang="en-US" dirty="0" smtClean="0"/>
+              <a:rPr lang="en-US" dirty="0"/>
             </a:br>
             <a:endParaRPr lang="ru-RU" dirty="0"/>
           </a:p>
@@ -3058,19 +3033,19 @@
           <a:lstStyle/>
           <a:p>
             <a:r>
-              <a:rPr lang="ru-RU" b="1" dirty="0" smtClean="0">
+              <a:rPr lang="ru-RU" b="1" dirty="0">
                 <a:latin typeface="Segoe Print" panose="02000600000000000000" pitchFamily="2" charset="0"/>
               </a:rPr>
               <a:t>Увлекательная</a:t>
             </a:r>
             <a:r>
-              <a:rPr lang="ru-RU" dirty="0" smtClean="0">
+              <a:rPr lang="ru-RU" dirty="0">
                 <a:latin typeface="Segoe Print" panose="02000600000000000000" pitchFamily="2" charset="0"/>
               </a:rPr>
               <a:t> игра-</a:t>
             </a:r>
             <a:r>
-              <a:rPr lang="ru-RU" dirty="0" err="1" smtClean="0">
+              <a:rPr lang="ru-RU" dirty="0" err="1">
                 <a:latin typeface="Segoe Print" panose="02000600000000000000" pitchFamily="2" charset="0"/>
               </a:rPr>
               <a:t>бродилка</a:t>
@@ -3142,38 +3117,35 @@
           <a:lstStyle/>
           <a:p>
             <a:r>
-              <a:rPr lang="ru-RU" dirty="0" smtClean="0">
+              <a:rPr lang="ru-RU" dirty="0">
                 <a:latin typeface="Segoe Print" panose="02000600000000000000" pitchFamily="2" charset="0"/>
               </a:rPr>
               <a:t>Авторы</a:t>
             </a:r>
             <a:r>
-              <a:rPr lang="en-US" dirty="0" smtClean="0">
+              <a:rPr lang="en-US" dirty="0">
                 <a:latin typeface="Segoe Print" panose="02000600000000000000" pitchFamily="2" charset="0"/>
               </a:rPr>
               <a:t>:</a:t>
             </a:r>
             <a:r>
-              <a:rPr lang="ru-RU" dirty="0" smtClean="0">
+              <a:rPr lang="ru-RU" dirty="0">
                 <a:latin typeface="Segoe Print" panose="02000600000000000000" pitchFamily="2" charset="0"/>
               </a:rPr>
               <a:t> Сафонов Борис и Елизавета </a:t>
             </a:r>
             <a:r>
-              <a:rPr lang="ru-RU" dirty="0" err="1" smtClean="0">
+              <a:rPr lang="ru-RU" dirty="0" err="1">
                 <a:latin typeface="Segoe Print" panose="02000600000000000000" pitchFamily="2" charset="0"/>
               </a:rPr>
               <a:t>Полтавина</a:t>
             </a:r>
             <a:r>
-              <a:rPr lang="ru-RU" dirty="0" smtClean="0">
+              <a:rPr lang="ru-RU" dirty="0">
                 <a:latin typeface="Segoe Print" panose="02000600000000000000" pitchFamily="2" charset="0"/>
               </a:rPr>
               <a:t> </a:t>
             </a:r>
-            <a:endParaRPr lang="ru-RU" dirty="0">
-              <a:latin typeface="Segoe Print" panose="02000600000000000000" pitchFamily="2" charset="0"/>
-            </a:endParaRPr>
           </a:p>
         </p:txBody>
       </p:sp>
@@ -3187,13 +3159,6 @@
   <p:clrMapOvr>
     <a:masterClrMapping/>
   </p:clrMapOvr>
-  <p:timing>
-    <p:tnLst>
-      <p:par>
-        <p:cTn id="1" dur="indefinite" restart="never" nodeType="tmRoot"/>
-      </p:par>
-    </p:tnLst>
-  </p:timing>
 </p:sld>
 </file>
 
@@ -3260,10 +3225,9 @@
           <a:lstStyle/>
           <a:p>
             <a:r>
-              <a:rPr lang="ru-RU" dirty="0" smtClean="0"/>
+              <a:rPr lang="ru-RU" dirty="0"/>
               <a:t>Введение</a:t>
             </a:r>
-            <a:endParaRPr lang="ru-RU" dirty="0"/>
           </a:p>
         </p:txBody>
       </p:sp>
@@ -3291,26 +3255,23 @@
           <a:p>
             <a:pPr algn="l"/>
             <a:r>
-              <a:rPr lang="ru-RU" dirty="0" smtClean="0">
+              <a:rPr lang="ru-RU" dirty="0">
                 <a:latin typeface="Segoe Print" panose="02000600000000000000" pitchFamily="2" charset="0"/>
               </a:rPr>
               <a:t>Игра </a:t>
             </a:r>
             <a:r>
-              <a:rPr lang="en-US" dirty="0" smtClean="0">
+              <a:rPr lang="en-US" dirty="0">
                 <a:latin typeface="Segoe Print" panose="02000600000000000000" pitchFamily="2" charset="0"/>
               </a:rPr>
               <a:t>“Tomb Treasure” </a:t>
             </a:r>
             <a:r>
-              <a:rPr lang="ru-RU" dirty="0" smtClean="0">
+              <a:rPr lang="ru-RU" dirty="0">
                 <a:latin typeface="Segoe Print" panose="02000600000000000000" pitchFamily="2" charset="0"/>
               </a:rPr>
               <a:t>выполнена в жанре головоломки. И главной задачей игрока являются сокровища, которые он должен найти в гробнице, полной тайн и загадок.</a:t>
             </a:r>
-            <a:endParaRPr lang="ru-RU" dirty="0">
-              <a:latin typeface="Segoe Print" panose="02000600000000000000" pitchFamily="2" charset="0"/>
-            </a:endParaRPr>
           </a:p>
         </p:txBody>
       </p:sp>
@@ -3351,13 +3312,6 @@
   <p:clrMapOvr>
     <a:masterClrMapping/>
   </p:clrMapOvr>
-  <p:timing>
-    <p:tnLst>
-      <p:par>
-        <p:cTn id="1" dur="indefinite" restart="never" nodeType="tmRoot"/>
-      </p:par>
-    </p:tnLst>
-  </p:timing>
 </p:sld>
 </file>
 
@@ -3424,16 +3378,12 @@
           <a:lstStyle/>
           <a:p>
             <a:r>
-              <a:rPr lang="ru-RU" dirty="0" smtClean="0">
+              <a:rPr lang="ru-RU" dirty="0">
                 <a:latin typeface="Segoe UI" panose="020B0502040204020203" pitchFamily="34" charset="0"/>
                 <a:cs typeface="Segoe UI" panose="020B0502040204020203" pitchFamily="34" charset="0"/>
               </a:rPr>
               <a:t>Структура</a:t>
             </a:r>
-            <a:endParaRPr lang="ru-RU" dirty="0">
-              <a:latin typeface="Segoe UI" panose="020B0502040204020203" pitchFamily="34" charset="0"/>
-              <a:cs typeface="Segoe UI" panose="020B0502040204020203" pitchFamily="34" charset="0"/>
-            </a:endParaRPr>
           </a:p>
         </p:txBody>
       </p:sp>
@@ -3488,19 +3438,19 @@
               <a:buChar char="•"/>
             </a:pPr>
             <a:r>
-              <a:rPr lang="ru-RU" sz="1600" dirty="0" smtClean="0">
+              <a:rPr lang="ru-RU" sz="1600" dirty="0">
                 <a:latin typeface="Segoe Print" panose="02000600000000000000" pitchFamily="2" charset="0"/>
               </a:rPr>
               <a:t>Папка </a:t>
             </a:r>
             <a:r>
-              <a:rPr lang="en-US" sz="1600" dirty="0" smtClean="0">
+              <a:rPr lang="en-US" sz="1600" dirty="0">
                 <a:latin typeface="Segoe Print" panose="02000600000000000000" pitchFamily="2" charset="0"/>
               </a:rPr>
               <a:t>data</a:t>
             </a:r>
             <a:r>
-              <a:rPr lang="ru-RU" sz="1600" dirty="0" smtClean="0">
+              <a:rPr lang="ru-RU" sz="1600" dirty="0">
                 <a:latin typeface="Segoe Print" panose="02000600000000000000" pitchFamily="2" charset="0"/>
               </a:rPr>
               <a:t>, в которой содержатся текстовые файлы уровней</a:t>
@@ -3512,28 +3462,22 @@
               <a:buChar char="•"/>
             </a:pPr>
             <a:r>
-              <a:rPr lang="ru-RU" sz="1600" dirty="0" smtClean="0">
-                <a:latin typeface="Segoe Print" panose="02000600000000000000" pitchFamily="2" charset="0"/>
-              </a:rPr>
-              <a:t>Папка </a:t>
-            </a:r>
-            <a:r>
-              <a:rPr lang="en-US" sz="1600" dirty="0" smtClean="0">
-                <a:latin typeface="Segoe Print" panose="02000600000000000000" pitchFamily="2" charset="0"/>
-              </a:rPr>
-              <a:t>fonts</a:t>
-            </a:r>
-            <a:r>
               <a:rPr lang="ru-RU" sz="1600" dirty="0">
                 <a:latin typeface="Segoe Print" panose="02000600000000000000" pitchFamily="2" charset="0"/>
               </a:rPr>
-              <a:t> </a:t>
-            </a:r>
-            <a:r>
-              <a:rPr lang="ru-RU" sz="1600" dirty="0" smtClean="0">
+              <a:t>Папка </a:t>
+            </a:r>
+            <a:r>
+              <a:rPr lang="en-US" sz="1600" dirty="0">
                 <a:latin typeface="Segoe Print" panose="02000600000000000000" pitchFamily="2" charset="0"/>
               </a:rPr>
-              <a:t>содержит шрифт для игры.</a:t>
+              <a:t>fonts</a:t>
+            </a:r>
+            <a:r>
+              <a:rPr lang="ru-RU" sz="1600" dirty="0">
+                <a:latin typeface="Segoe Print" panose="02000600000000000000" pitchFamily="2" charset="0"/>
+              </a:rPr>
+              <a:t> содержит шрифт для игры.</a:t>
             </a:r>
           </a:p>
           <a:p>
@@ -3542,25 +3486,25 @@
               <a:buChar char="•"/>
             </a:pPr>
             <a:r>
-              <a:rPr lang="ru-RU" sz="1600" dirty="0" smtClean="0">
+              <a:rPr lang="ru-RU" sz="1600" dirty="0">
                 <a:latin typeface="Segoe Print" panose="02000600000000000000" pitchFamily="2" charset="0"/>
               </a:rPr>
               <a:t>Папка </a:t>
             </a:r>
             <a:r>
-              <a:rPr lang="en-US" sz="1600" dirty="0" err="1" smtClean="0">
+              <a:rPr lang="en-US" sz="1600" dirty="0" err="1">
                 <a:latin typeface="Segoe Print" panose="02000600000000000000" pitchFamily="2" charset="0"/>
               </a:rPr>
               <a:t>img</a:t>
             </a:r>
             <a:r>
-              <a:rPr lang="en-US" sz="1600" dirty="0" smtClean="0">
+              <a:rPr lang="en-US" sz="1600" dirty="0">
                 <a:latin typeface="Segoe Print" panose="02000600000000000000" pitchFamily="2" charset="0"/>
               </a:rPr>
               <a:t> </a:t>
             </a:r>
             <a:r>
-              <a:rPr lang="ru-RU" sz="1600" dirty="0" smtClean="0">
+              <a:rPr lang="ru-RU" sz="1600" dirty="0">
                 <a:latin typeface="Segoe Print" panose="02000600000000000000" pitchFamily="2" charset="0"/>
               </a:rPr>
               <a:t>содержит все необходимые изображения</a:t>
@@ -3572,13 +3516,13 @@
               <a:buChar char="•"/>
             </a:pPr>
             <a:r>
-              <a:rPr lang="en-US" sz="1600" dirty="0" smtClean="0">
+              <a:rPr lang="en-US" sz="1600" dirty="0">
                 <a:latin typeface="Segoe Print" panose="02000600000000000000" pitchFamily="2" charset="0"/>
               </a:rPr>
               <a:t>Additional_func.py </a:t>
             </a:r>
             <a:r>
-              <a:rPr lang="ru-RU" sz="1600" dirty="0" smtClean="0">
+              <a:rPr lang="ru-RU" sz="1600" dirty="0">
                 <a:latin typeface="Segoe Print" panose="02000600000000000000" pitchFamily="2" charset="0"/>
               </a:rPr>
               <a:t>содержит дополнительные функции</a:t>
@@ -3590,13 +3534,13 @@
               <a:buChar char="•"/>
             </a:pPr>
             <a:r>
-              <a:rPr lang="en-US" sz="1600" dirty="0" smtClean="0">
+              <a:rPr lang="en-US" sz="1600" dirty="0">
                 <a:latin typeface="Segoe Print" panose="02000600000000000000" pitchFamily="2" charset="0"/>
               </a:rPr>
               <a:t>Config.py </a:t>
             </a:r>
             <a:r>
-              <a:rPr lang="ru-RU" sz="1600" dirty="0" smtClean="0">
+              <a:rPr lang="ru-RU" sz="1600" dirty="0">
                 <a:latin typeface="Segoe Print" panose="02000600000000000000" pitchFamily="2" charset="0"/>
               </a:rPr>
               <a:t>содержит все константы игры</a:t>
@@ -3608,18 +3552,18 @@
               <a:buChar char="•"/>
             </a:pPr>
             <a:r>
-              <a:rPr lang="en-US" sz="1600" dirty="0" smtClean="0">
+              <a:rPr lang="en-US" sz="1600" dirty="0">
                 <a:latin typeface="Segoe Print" panose="02000600000000000000" pitchFamily="2" charset="0"/>
               </a:rPr>
               <a:t>Main.py </a:t>
             </a:r>
             <a:r>
-              <a:rPr lang="ru-RU" sz="1600" dirty="0" smtClean="0">
+              <a:rPr lang="ru-RU" sz="1600" dirty="0">
                 <a:latin typeface="Segoe Print" panose="02000600000000000000" pitchFamily="2" charset="0"/>
               </a:rPr>
               <a:t>главный файл игры</a:t>
             </a:r>
-            <a:endParaRPr lang="en-US" sz="1600" dirty="0" smtClean="0">
+            <a:endParaRPr lang="en-US" sz="1600" dirty="0">
               <a:latin typeface="Segoe Print" panose="02000600000000000000" pitchFamily="2" charset="0"/>
             </a:endParaRPr>
           </a:p>
@@ -3644,13 +3588,6 @@
   <p:clrMapOvr>
     <a:masterClrMapping/>
   </p:clrMapOvr>
-  <p:timing>
-    <p:tnLst>
-      <p:par>
-        <p:cTn id="1" dur="indefinite" restart="never" nodeType="tmRoot"/>
-      </p:par>
-    </p:tnLst>
-  </p:timing>
 </p:sld>
 </file>
 
@@ -3719,16 +3656,12 @@
           <a:lstStyle/>
           <a:p>
             <a:r>
-              <a:rPr lang="ru-RU" sz="3200" dirty="0" smtClean="0">
+              <a:rPr lang="ru-RU" sz="3200" dirty="0">
                 <a:latin typeface="Segoe UI" panose="020B0502040204020203" pitchFamily="34" charset="0"/>
                 <a:cs typeface="Segoe UI" panose="020B0502040204020203" pitchFamily="34" charset="0"/>
               </a:rPr>
               <a:t>Использованные библиотеки</a:t>
             </a:r>
-            <a:endParaRPr lang="ru-RU" sz="3200" dirty="0">
-              <a:latin typeface="Segoe UI" panose="020B0502040204020203" pitchFamily="34" charset="0"/>
-              <a:cs typeface="Segoe UI" panose="020B0502040204020203" pitchFamily="34" charset="0"/>
-            </a:endParaRPr>
           </a:p>
         </p:txBody>
       </p:sp>
@@ -3756,43 +3689,43 @@
           <a:p>
             <a:pPr algn="l"/>
             <a:r>
-              <a:rPr lang="en-US" dirty="0" err="1" smtClean="0">
+              <a:rPr lang="en-US" dirty="0" err="1">
                 <a:latin typeface="Segoe Print" panose="02000600000000000000" pitchFamily="2" charset="0"/>
               </a:rPr>
               <a:t>Pygame</a:t>
             </a:r>
             <a:r>
-              <a:rPr lang="en-US" dirty="0" smtClean="0">
+              <a:rPr lang="en-US" dirty="0">
                 <a:latin typeface="Segoe Print" panose="02000600000000000000" pitchFamily="2" charset="0"/>
               </a:rPr>
               <a:t> – </a:t>
             </a:r>
             <a:r>
-              <a:rPr lang="ru-RU" dirty="0" smtClean="0">
+              <a:rPr lang="ru-RU" dirty="0">
                 <a:latin typeface="Segoe Print" panose="02000600000000000000" pitchFamily="2" charset="0"/>
               </a:rPr>
               <a:t>собственно библиотека, на </a:t>
             </a:r>
             <a:r>
-              <a:rPr lang="ru-RU" dirty="0" err="1" smtClean="0">
+              <a:rPr lang="ru-RU" dirty="0" err="1">
                 <a:latin typeface="Segoe Print" panose="02000600000000000000" pitchFamily="2" charset="0"/>
               </a:rPr>
               <a:t>котрой</a:t>
             </a:r>
             <a:r>
-              <a:rPr lang="ru-RU" dirty="0" smtClean="0">
+              <a:rPr lang="ru-RU" dirty="0">
                 <a:latin typeface="Segoe Print" panose="02000600000000000000" pitchFamily="2" charset="0"/>
               </a:rPr>
               <a:t> </a:t>
             </a:r>
             <a:r>
-              <a:rPr lang="ru-RU" dirty="0" err="1" smtClean="0">
+              <a:rPr lang="ru-RU" dirty="0" err="1">
                 <a:latin typeface="Segoe Print" panose="02000600000000000000" pitchFamily="2" charset="0"/>
               </a:rPr>
               <a:t>реализованна</a:t>
             </a:r>
             <a:r>
-              <a:rPr lang="ru-RU" dirty="0" smtClean="0">
+              <a:rPr lang="ru-RU" dirty="0">
                 <a:latin typeface="Segoe Print" panose="02000600000000000000" pitchFamily="2" charset="0"/>
               </a:rPr>
               <a:t> игра</a:t>
@@ -3807,13 +3740,13 @@
           <a:p>
             <a:pPr algn="l"/>
             <a:r>
-              <a:rPr lang="en-US" dirty="0" err="1" smtClean="0">
+              <a:rPr lang="en-US" dirty="0" err="1">
                 <a:latin typeface="Segoe Print" panose="02000600000000000000" pitchFamily="2" charset="0"/>
               </a:rPr>
               <a:t>Os</a:t>
             </a:r>
             <a:r>
-              <a:rPr lang="ru-RU" dirty="0" smtClean="0">
+              <a:rPr lang="ru-RU" dirty="0">
                 <a:latin typeface="Segoe Print" panose="02000600000000000000" pitchFamily="2" charset="0"/>
               </a:rPr>
               <a:t> – использовалась для открытия файлов с уровнями</a:t>
@@ -3828,49 +3761,28 @@
           <a:p>
             <a:pPr algn="l"/>
             <a:r>
-              <a:rPr lang="en-US" dirty="0" smtClean="0">
+              <a:rPr lang="en-US" dirty="0">
                 <a:latin typeface="Segoe Print" panose="02000600000000000000" pitchFamily="2" charset="0"/>
               </a:rPr>
               <a:t>Math</a:t>
             </a:r>
             <a:r>
-              <a:rPr lang="ru-RU" dirty="0" smtClean="0">
+              <a:rPr lang="ru-RU" dirty="0">
                 <a:latin typeface="Segoe Print" panose="02000600000000000000" pitchFamily="2" charset="0"/>
               </a:rPr>
               <a:t> – для </a:t>
             </a:r>
             <a:r>
-              <a:rPr lang="ru-RU" dirty="0" err="1" smtClean="0">
+              <a:rPr lang="ru-RU" dirty="0" err="1">
                 <a:latin typeface="Segoe Print" panose="02000600000000000000" pitchFamily="2" charset="0"/>
               </a:rPr>
               <a:t>разлчиных</a:t>
             </a:r>
             <a:r>
-              <a:rPr lang="ru-RU" dirty="0" smtClean="0">
+              <a:rPr lang="ru-RU" dirty="0">
                 <a:latin typeface="Segoe Print" panose="02000600000000000000" pitchFamily="2" charset="0"/>
               </a:rPr>
               <a:t> вычислений</a:t>
-            </a:r>
-          </a:p>
-          <a:p>
-            <a:pPr algn="l"/>
-            <a:endParaRPr lang="ru-RU" dirty="0" smtClean="0">
-              <a:latin typeface="Segoe Print" panose="02000600000000000000" pitchFamily="2" charset="0"/>
-            </a:endParaRPr>
-          </a:p>
-          <a:p>
-            <a:pPr algn="l"/>
-            <a:r>
-              <a:rPr lang="en-US" dirty="0" smtClean="0">
-                <a:latin typeface="Segoe Print" panose="02000600000000000000" pitchFamily="2" charset="0"/>
-              </a:rPr>
-              <a:t>Random</a:t>
-            </a:r>
-            <a:r>
-              <a:rPr lang="ru-RU" dirty="0" smtClean="0">
-                <a:latin typeface="Segoe Print" panose="02000600000000000000" pitchFamily="2" charset="0"/>
-              </a:rPr>
-              <a:t> – для случайной генерации отдельных предметов</a:t>
             </a:r>
           </a:p>
           <a:p>
@@ -3882,20 +3794,38 @@
           <a:p>
             <a:pPr algn="l"/>
             <a:r>
-              <a:rPr lang="en-US" dirty="0" smtClean="0">
+              <a:rPr lang="en-US" dirty="0">
                 <a:latin typeface="Segoe Print" panose="02000600000000000000" pitchFamily="2" charset="0"/>
               </a:rPr>
-              <a:t>Sys</a:t>
-            </a:r>
-            <a:r>
-              <a:rPr lang="ru-RU" dirty="0" smtClean="0">
+              <a:t>Random</a:t>
+            </a:r>
+            <a:r>
+              <a:rPr lang="ru-RU" dirty="0">
                 <a:latin typeface="Segoe Print" panose="02000600000000000000" pitchFamily="2" charset="0"/>
               </a:rPr>
-              <a:t> – для прекращения работы программы после закрытия окна игры</a:t>
-            </a:r>
+              <a:t> – для случайной генерации отдельных предметов</a:t>
+            </a:r>
+          </a:p>
+          <a:p>
+            <a:pPr algn="l"/>
             <a:endParaRPr lang="ru-RU" dirty="0">
               <a:latin typeface="Segoe Print" panose="02000600000000000000" pitchFamily="2" charset="0"/>
             </a:endParaRPr>
+          </a:p>
+          <a:p>
+            <a:pPr algn="l"/>
+            <a:r>
+              <a:rPr lang="en-US" dirty="0">
+                <a:latin typeface="Segoe Print" panose="02000600000000000000" pitchFamily="2" charset="0"/>
+              </a:rPr>
+              <a:t>Sys</a:t>
+            </a:r>
+            <a:r>
+              <a:rPr lang="ru-RU" dirty="0">
+                <a:latin typeface="Segoe Print" panose="02000600000000000000" pitchFamily="2" charset="0"/>
+              </a:rPr>
+              <a:t> – для прекращения работы программы после закрытия окна игры</a:t>
+            </a:r>
           </a:p>
         </p:txBody>
       </p:sp>
@@ -3933,13 +3863,6 @@
   <p:clrMapOvr>
     <a:masterClrMapping/>
   </p:clrMapOvr>
-  <p:timing>
-    <p:tnLst>
-      <p:par>
-        <p:cTn id="1" dur="indefinite" restart="never" nodeType="tmRoot"/>
-      </p:par>
-    </p:tnLst>
-  </p:timing>
 </p:sld>
 </file>
 
@@ -4057,6 +3980,36 @@
           </a:prstGeom>
         </p:spPr>
       </p:pic>
+      <p:pic>
+        <p:nvPicPr>
+          <p:cNvPr id="5" name="Рисунок 4">
+            <a:extLst>
+              <a:ext uri="{FF2B5EF4-FFF2-40B4-BE49-F238E27FC236}">
+                <a16:creationId xmlns:a16="http://schemas.microsoft.com/office/drawing/2014/main" id="{65362DCF-E4B9-4899-9CA3-5A5A6186DD88}"/>
+              </a:ext>
+            </a:extLst>
+          </p:cNvPr>
+          <p:cNvPicPr>
+            <a:picLocks noChangeAspect="1"/>
+          </p:cNvPicPr>
+          <p:nvPr/>
+        </p:nvPicPr>
+        <p:blipFill>
+          <a:blip r:embed="rId5"/>
+          <a:stretch>
+            <a:fillRect/>
+          </a:stretch>
+        </p:blipFill>
+        <p:spPr>
+          <a:xfrm>
+            <a:off x="6599682" y="3766507"/>
+            <a:ext cx="4843380" cy="2688372"/>
+          </a:xfrm>
+          <a:prstGeom prst="rect">
+            <a:avLst/>
+          </a:prstGeom>
+        </p:spPr>
+      </p:pic>
     </p:spTree>
     <p:extLst>
       <p:ext uri="{BB962C8B-B14F-4D97-AF65-F5344CB8AC3E}">
@@ -4067,13 +4020,6 @@
   <p:clrMapOvr>
     <a:masterClrMapping/>
   </p:clrMapOvr>
-  <p:timing>
-    <p:tnLst>
-      <p:par>
-        <p:cTn id="1" dur="indefinite" restart="never" nodeType="tmRoot"/>
-      </p:par>
-    </p:tnLst>
-  </p:timing>
 </p:sld>
 </file>
 
@@ -4142,11 +4088,11 @@
           <a:lstStyle/>
           <a:p>
             <a:r>
-              <a:rPr lang="ru-RU" sz="2800" dirty="0" smtClean="0"/>
+              <a:rPr lang="ru-RU" sz="2800" dirty="0"/>
               <a:t>Что хотелось бы улучшить</a:t>
             </a:r>
             <a:r>
-              <a:rPr lang="en-US" sz="2800" dirty="0" smtClean="0"/>
+              <a:rPr lang="en-US" sz="2800" dirty="0"/>
               <a:t>?</a:t>
             </a:r>
             <a:endParaRPr lang="ru-RU" sz="2800" dirty="0"/>
@@ -4176,14 +4122,11 @@
           <a:lstStyle/>
           <a:p>
             <a:r>
-              <a:rPr lang="ru-RU" sz="2400" dirty="0" smtClean="0">
+              <a:rPr lang="ru-RU" sz="2400" dirty="0">
                 <a:latin typeface="Segoe Print" panose="02000600000000000000" pitchFamily="2" charset="0"/>
               </a:rPr>
               <a:t>Хотелось бы сделать больше уровней, добавить анимацию, сохранение по уровням. Так же можно было бы сделать так, чтобы игрок мог проиграть, то есть добавить врагов, жизни. Ну и конечно, придумать больше интересных головоломок.</a:t>
             </a:r>
-            <a:endParaRPr lang="ru-RU" sz="2400" dirty="0">
-              <a:latin typeface="Segoe Print" panose="02000600000000000000" pitchFamily="2" charset="0"/>
-            </a:endParaRPr>
           </a:p>
         </p:txBody>
       </p:sp>
@@ -4197,13 +4140,6 @@
   <p:clrMapOvr>
     <a:masterClrMapping/>
   </p:clrMapOvr>
-  <p:timing>
-    <p:tnLst>
-      <p:par>
-        <p:cTn id="1" dur="indefinite" restart="never" nodeType="tmRoot"/>
-      </p:par>
-    </p:tnLst>
-  </p:timing>
 </p:sld>
 </file>
 
@@ -4272,10 +4208,9 @@
           <a:lstStyle/>
           <a:p>
             <a:r>
-              <a:rPr lang="ru-RU" sz="2800" dirty="0" smtClean="0"/>
+              <a:rPr lang="ru-RU" sz="2800" dirty="0"/>
               <a:t>Желаем вам приятной игры!</a:t>
             </a:r>
-            <a:endParaRPr lang="ru-RU" sz="2800" dirty="0"/>
           </a:p>
         </p:txBody>
       </p:sp>
@@ -4289,13 +4224,6 @@
   <p:clrMapOvr>
     <a:masterClrMapping/>
   </p:clrMapOvr>
-  <p:timing>
-    <p:tnLst>
-      <p:par>
-        <p:cTn id="1" dur="indefinite" restart="never" nodeType="tmRoot"/>
-      </p:par>
-    </p:tnLst>
-  </p:timing>
 </p:sld>
 </file>
 

--- a/Tomb Treasure.pptx
+++ b/Tomb Treasure.pptx
@@ -3683,7 +3683,7 @@
         </p:spPr>
         <p:txBody>
           <a:bodyPr>
-            <a:normAutofit fontScale="62500" lnSpcReduction="20000"/>
+            <a:normAutofit fontScale="70000" lnSpcReduction="20000"/>
           </a:bodyPr>
           <a:lstStyle/>
           <a:p>
@@ -3704,31 +3704,7 @@
               <a:rPr lang="ru-RU" dirty="0">
                 <a:latin typeface="Segoe Print" panose="02000600000000000000" pitchFamily="2" charset="0"/>
               </a:rPr>
-              <a:t>собственно библиотека, на </a:t>
-            </a:r>
-            <a:r>
-              <a:rPr lang="ru-RU" dirty="0" err="1">
-                <a:latin typeface="Segoe Print" panose="02000600000000000000" pitchFamily="2" charset="0"/>
-              </a:rPr>
-              <a:t>котрой</a:t>
-            </a:r>
-            <a:r>
-              <a:rPr lang="ru-RU" dirty="0">
-                <a:latin typeface="Segoe Print" panose="02000600000000000000" pitchFamily="2" charset="0"/>
-              </a:rPr>
-              <a:t> </a:t>
-            </a:r>
-            <a:r>
-              <a:rPr lang="ru-RU" dirty="0" err="1">
-                <a:latin typeface="Segoe Print" panose="02000600000000000000" pitchFamily="2" charset="0"/>
-              </a:rPr>
-              <a:t>реализованна</a:t>
-            </a:r>
-            <a:r>
-              <a:rPr lang="ru-RU" dirty="0">
-                <a:latin typeface="Segoe Print" panose="02000600000000000000" pitchFamily="2" charset="0"/>
-              </a:rPr>
-              <a:t> игра</a:t>
+              <a:t>собственно библиотека, на которой реализована игра</a:t>
             </a:r>
           </a:p>
           <a:p>
@@ -3750,39 +3726,6 @@
                 <a:latin typeface="Segoe Print" panose="02000600000000000000" pitchFamily="2" charset="0"/>
               </a:rPr>
               <a:t> – использовалась для открытия файлов с уровнями</a:t>
-            </a:r>
-          </a:p>
-          <a:p>
-            <a:pPr algn="l"/>
-            <a:endParaRPr lang="ru-RU" dirty="0">
-              <a:latin typeface="Segoe Print" panose="02000600000000000000" pitchFamily="2" charset="0"/>
-            </a:endParaRPr>
-          </a:p>
-          <a:p>
-            <a:pPr algn="l"/>
-            <a:r>
-              <a:rPr lang="en-US" dirty="0">
-                <a:latin typeface="Segoe Print" panose="02000600000000000000" pitchFamily="2" charset="0"/>
-              </a:rPr>
-              <a:t>Math</a:t>
-            </a:r>
-            <a:r>
-              <a:rPr lang="ru-RU" dirty="0">
-                <a:latin typeface="Segoe Print" panose="02000600000000000000" pitchFamily="2" charset="0"/>
-              </a:rPr>
-              <a:t> – для </a:t>
-            </a:r>
-            <a:r>
-              <a:rPr lang="ru-RU" dirty="0" err="1">
-                <a:latin typeface="Segoe Print" panose="02000600000000000000" pitchFamily="2" charset="0"/>
-              </a:rPr>
-              <a:t>разлчиных</a:t>
-            </a:r>
-            <a:r>
-              <a:rPr lang="ru-RU" dirty="0">
-                <a:latin typeface="Segoe Print" panose="02000600000000000000" pitchFamily="2" charset="0"/>
-              </a:rPr>
-              <a:t> вычислений</a:t>
             </a:r>
           </a:p>
           <a:p>
